--- a/ivey-powerpoint-template.pptx
+++ b/ivey-powerpoint-template.pptx
@@ -214,7 +214,7 @@
           <a:p>
             <a:fld id="{0F9C1CCF-B725-44A7-AA57-5E433BD85C9F}" type="datetimeFigureOut">
               <a:rPr lang="en-US" smtClean="0"/>
-              <a:t>11/24/2022</a:t>
+              <a:t>11/28/2022</a:t>
             </a:fld>
             <a:endParaRPr lang="en-US"/>
           </a:p>
@@ -1736,59 +1736,6 @@
           <a:chExt cx="0" cy="0"/>
         </a:xfrm>
       </p:grpSpPr>
-      <p:sp>
-        <p:nvSpPr>
-          <p:cNvPr id="13" name="Title 1">
-            <a:extLst>
-              <a:ext uri="{FF2B5EF4-FFF2-40B4-BE49-F238E27FC236}">
-                <a16:creationId xmlns:a16="http://schemas.microsoft.com/office/drawing/2014/main" id="{B8C56CC8-B39E-4F1E-857E-D694429B0B61}"/>
-              </a:ext>
-            </a:extLst>
-          </p:cNvPr>
-          <p:cNvSpPr>
-            <a:spLocks noGrp="1"/>
-          </p:cNvSpPr>
-          <p:nvPr>
-            <p:ph type="title"/>
-          </p:nvPr>
-        </p:nvSpPr>
-        <p:spPr>
-          <a:xfrm>
-            <a:off x="628650" y="273847"/>
-            <a:ext cx="7886700" cy="994172"/>
-          </a:xfrm>
-        </p:spPr>
-        <p:txBody>
-          <a:bodyPr anchor="t">
-            <a:normAutofit/>
-          </a:bodyPr>
-          <a:lstStyle>
-            <a:lvl1pPr algn="ctr" defTabSz="685663" rtl="0" eaLnBrk="1" latinLnBrk="0" hangingPunct="1">
-              <a:lnSpc>
-                <a:spcPct val="90000"/>
-              </a:lnSpc>
-              <a:spcBef>
-                <a:spcPct val="0"/>
-              </a:spcBef>
-              <a:buNone/>
-              <a:defRPr lang="en-US" sz="3300" kern="1200" dirty="0">
-                <a:solidFill>
-                  <a:schemeClr val="tx1"/>
-                </a:solidFill>
-                <a:latin typeface="Arial Bold" panose="020B0704020202020204" pitchFamily="34" charset="0"/>
-                <a:ea typeface="Arial" charset="0"/>
-                <a:cs typeface="Arial Bold" panose="020B0704020202020204" pitchFamily="34" charset="0"/>
-              </a:defRPr>
-            </a:lvl1pPr>
-          </a:lstStyle>
-          <a:p>
-            <a:r>
-              <a:rPr lang="en-US" dirty="0"/>
-              <a:t>Click to edit Master title style</a:t>
-            </a:r>
-          </a:p>
-        </p:txBody>
-      </p:sp>
       <p:cxnSp>
         <p:nvCxnSpPr>
           <p:cNvPr id="3" name="Straight Connector 2">
@@ -1850,8 +1797,8 @@
         </p:nvSpPr>
         <p:spPr>
           <a:xfrm>
-            <a:off x="4572000" y="1268018"/>
-            <a:ext cx="4267200" cy="3343275"/>
+            <a:off x="228600" y="1172054"/>
+            <a:ext cx="4343400" cy="3657600"/>
           </a:xfrm>
         </p:spPr>
         <p:txBody>
@@ -1860,38 +1807,38 @@
           <a:p>
             <a:pPr lvl="0"/>
             <a:r>
-              <a:rPr lang="en-US"/>
+              <a:rPr lang="en-US" dirty="0"/>
               <a:t>Click to edit Master text styles</a:t>
             </a:r>
           </a:p>
           <a:p>
             <a:pPr lvl="1"/>
             <a:r>
-              <a:rPr lang="en-US"/>
+              <a:rPr lang="en-US" dirty="0"/>
               <a:t>Second level</a:t>
             </a:r>
           </a:p>
           <a:p>
             <a:pPr lvl="2"/>
             <a:r>
-              <a:rPr lang="en-US"/>
+              <a:rPr lang="en-US" dirty="0"/>
               <a:t>Third level</a:t>
             </a:r>
           </a:p>
           <a:p>
             <a:pPr lvl="3"/>
             <a:r>
-              <a:rPr lang="en-US"/>
+              <a:rPr lang="en-US" dirty="0"/>
               <a:t>Fourth level</a:t>
             </a:r>
           </a:p>
           <a:p>
             <a:pPr lvl="4"/>
             <a:r>
-              <a:rPr lang="en-US"/>
+              <a:rPr lang="en-US" dirty="0"/>
               <a:t>Fifth level</a:t>
             </a:r>
-            <a:endParaRPr lang="en-CA"/>
+            <a:endParaRPr lang="en-CA" dirty="0"/>
           </a:p>
         </p:txBody>
       </p:sp>
@@ -1913,8 +1860,8 @@
         </p:nvSpPr>
         <p:spPr>
           <a:xfrm>
-            <a:off x="304800" y="1268019"/>
-            <a:ext cx="4267200" cy="3343275"/>
+            <a:off x="4572000" y="1167531"/>
+            <a:ext cx="4343400" cy="3657600"/>
           </a:xfrm>
         </p:spPr>
         <p:txBody>
@@ -1923,38 +1870,82 @@
           <a:p>
             <a:pPr lvl="0"/>
             <a:r>
-              <a:rPr lang="en-US"/>
+              <a:rPr lang="en-US" dirty="0"/>
               <a:t>Click to edit Master text styles</a:t>
             </a:r>
           </a:p>
           <a:p>
             <a:pPr lvl="1"/>
             <a:r>
-              <a:rPr lang="en-US"/>
+              <a:rPr lang="en-US" dirty="0"/>
               <a:t>Second level</a:t>
             </a:r>
           </a:p>
           <a:p>
             <a:pPr lvl="2"/>
             <a:r>
-              <a:rPr lang="en-US"/>
+              <a:rPr lang="en-US" dirty="0"/>
               <a:t>Third level</a:t>
             </a:r>
           </a:p>
           <a:p>
             <a:pPr lvl="3"/>
             <a:r>
-              <a:rPr lang="en-US"/>
+              <a:rPr lang="en-US" dirty="0"/>
               <a:t>Fourth level</a:t>
             </a:r>
           </a:p>
           <a:p>
             <a:pPr lvl="4"/>
             <a:r>
-              <a:rPr lang="en-US"/>
+              <a:rPr lang="en-US" dirty="0"/>
               <a:t>Fifth level</a:t>
             </a:r>
-            <a:endParaRPr lang="en-CA"/>
+            <a:endParaRPr lang="en-CA" dirty="0"/>
+          </a:p>
+        </p:txBody>
+      </p:sp>
+      <p:sp>
+        <p:nvSpPr>
+          <p:cNvPr id="6" name="Title 1">
+            <a:extLst>
+              <a:ext uri="{FF2B5EF4-FFF2-40B4-BE49-F238E27FC236}">
+                <a16:creationId xmlns:a16="http://schemas.microsoft.com/office/drawing/2014/main" id="{B7AD5B1E-D731-4A8A-B3FC-77CB8AF444FE}"/>
+              </a:ext>
+            </a:extLst>
+          </p:cNvPr>
+          <p:cNvSpPr>
+            <a:spLocks noGrp="1"/>
+          </p:cNvSpPr>
+          <p:nvPr>
+            <p:ph type="title"/>
+          </p:nvPr>
+        </p:nvSpPr>
+        <p:spPr>
+          <a:xfrm>
+            <a:off x="628650" y="196126"/>
+            <a:ext cx="7886700" cy="994172"/>
+          </a:xfrm>
+        </p:spPr>
+        <p:txBody>
+          <a:bodyPr anchor="t"/>
+          <a:lstStyle>
+            <a:lvl1pPr algn="ctr">
+              <a:defRPr lang="en-US" sz="3300" kern="1200" dirty="0">
+                <a:solidFill>
+                  <a:schemeClr val="tx1"/>
+                </a:solidFill>
+                <a:latin typeface="Arial Bold" panose="020B0704020202020204" pitchFamily="34" charset="0"/>
+                <a:ea typeface="Arial" charset="0"/>
+                <a:cs typeface="Arial Bold" panose="020B0704020202020204" pitchFamily="34" charset="0"/>
+              </a:defRPr>
+            </a:lvl1pPr>
+          </a:lstStyle>
+          <a:p>
+            <a:r>
+              <a:rPr lang="en-US" dirty="0"/>
+              <a:t>Click to edit Master title style</a:t>
+            </a:r>
           </a:p>
         </p:txBody>
       </p:sp>
@@ -1970,7 +1961,7 @@
   </p:clrMapOvr>
   <mc:AlternateContent xmlns:mc="http://schemas.openxmlformats.org/markup-compatibility/2006" xmlns:p14="http://schemas.microsoft.com/office/powerpoint/2010/main">
     <mc:Choice Requires="p14">
-      <p:transition p14:dur="0" advClick="0"/>
+      <p:transition p14:dur="10" advClick="0"/>
     </mc:Choice>
     <mc:Fallback xmlns="">
       <p:transition advClick="0"/>
@@ -3109,7 +3100,7 @@
         </p:nvSpPr>
         <p:spPr>
           <a:xfrm>
-            <a:off x="628650" y="273847"/>
+            <a:off x="628650" y="196126"/>
             <a:ext cx="7886700" cy="994172"/>
           </a:xfrm>
           <a:prstGeom prst="rect">
@@ -3141,8 +3132,8 @@
         </p:nvSpPr>
         <p:spPr>
           <a:xfrm>
-            <a:off x="628650" y="1369219"/>
-            <a:ext cx="7886700" cy="3263504"/>
+            <a:off x="457200" y="1188264"/>
+            <a:ext cx="8229600" cy="3657600"/>
           </a:xfrm>
           <a:prstGeom prst="rect">
             <a:avLst/>
@@ -3505,7 +3496,7 @@
           <a:cs typeface="Arial" charset="0"/>
         </a:defRPr>
       </a:lvl1pPr>
-      <a:lvl2pPr marL="514247" indent="-171416" algn="l" defTabSz="685663" rtl="0" eaLnBrk="1" latinLnBrk="0" hangingPunct="1">
+      <a:lvl2pPr marL="169863" indent="-169863" algn="l" defTabSz="685663" rtl="0" eaLnBrk="1" latinLnBrk="0" hangingPunct="1">
         <a:lnSpc>
           <a:spcPct val="90000"/>
         </a:lnSpc>
@@ -3524,7 +3515,7 @@
           <a:cs typeface="Arial" charset="0"/>
         </a:defRPr>
       </a:lvl2pPr>
-      <a:lvl3pPr marL="857079" indent="-171416" algn="l" defTabSz="685663" rtl="0" eaLnBrk="1" latinLnBrk="0" hangingPunct="1">
+      <a:lvl3pPr marL="400050" indent="-169863" algn="l" defTabSz="685663" rtl="0" eaLnBrk="1" latinLnBrk="0" hangingPunct="1">
         <a:lnSpc>
           <a:spcPct val="90000"/>
         </a:lnSpc>
@@ -3532,7 +3523,7 @@
           <a:spcPts val="375"/>
         </a:spcBef>
         <a:buFont typeface="Arial" panose="020B0604020202020204" pitchFamily="34" charset="0"/>
-        <a:buChar char="•"/>
+        <a:buChar char="-"/>
         <a:defRPr lang="en-US" sz="1600" kern="1200" dirty="0" smtClean="0">
           <a:solidFill>
             <a:schemeClr val="tx1"/>
@@ -3543,7 +3534,7 @@
           <a:cs typeface="Arial" charset="0"/>
         </a:defRPr>
       </a:lvl3pPr>
-      <a:lvl4pPr marL="1199910" indent="-171416" algn="l" defTabSz="685663" rtl="0" eaLnBrk="1" latinLnBrk="0" hangingPunct="1">
+      <a:lvl4pPr marL="628650" indent="-169863" algn="l" defTabSz="685663" rtl="0" eaLnBrk="1" latinLnBrk="0" hangingPunct="1">
         <a:lnSpc>
           <a:spcPct val="90000"/>
         </a:lnSpc>
@@ -3562,7 +3553,7 @@
           <a:cs typeface="Arial" charset="0"/>
         </a:defRPr>
       </a:lvl4pPr>
-      <a:lvl5pPr marL="1542741" indent="-171416" algn="l" defTabSz="685663" rtl="0" eaLnBrk="1" latinLnBrk="0" hangingPunct="1">
+      <a:lvl5pPr marL="857250" indent="-169863" algn="l" defTabSz="685663" rtl="0" eaLnBrk="1" latinLnBrk="0" hangingPunct="1">
         <a:lnSpc>
           <a:spcPct val="90000"/>
         </a:lnSpc>
@@ -3570,7 +3561,7 @@
           <a:spcPts val="375"/>
         </a:spcBef>
         <a:buFont typeface="Arial" panose="020B0604020202020204" pitchFamily="34" charset="0"/>
-        <a:buChar char="•"/>
+        <a:buChar char="-"/>
         <a:defRPr lang="en-US" sz="1600" kern="1200" dirty="0">
           <a:solidFill>
             <a:schemeClr val="tx1"/>
@@ -4035,12 +4026,12 @@
       </p:grpSpPr>
       <p:sp>
         <p:nvSpPr>
-          <p:cNvPr id="4" name="Title 3"/>
-          <p:cNvSpPr>
-            <a:spLocks noGrp="1"/>
-          </p:cNvSpPr>
-          <p:nvPr>
-            <p:ph type="title"/>
+          <p:cNvPr id="5" name="Content Placeholder 4"/>
+          <p:cNvSpPr>
+            <a:spLocks noGrp="1"/>
+          </p:cNvSpPr>
+          <p:nvPr>
+            <p:ph sz="quarter" idx="11"/>
           </p:nvPr>
         </p:nvSpPr>
         <p:spPr/>
@@ -4050,67 +4041,57 @@
           <a:p>
             <a:r>
               <a:rPr lang="en-US" dirty="0"/>
-              <a:t>Slide Title for Two-Content</a:t>
-            </a:r>
-          </a:p>
-        </p:txBody>
-      </p:sp>
-      <p:sp>
-        <p:nvSpPr>
-          <p:cNvPr id="5" name="Content Placeholder 4"/>
-          <p:cNvSpPr>
-            <a:spLocks noGrp="1"/>
-          </p:cNvSpPr>
-          <p:nvPr>
-            <p:ph type="body" sz="quarter" idx="4294967295"/>
-          </p:nvPr>
-        </p:nvSpPr>
-        <p:spPr>
-          <a:xfrm>
-            <a:off x="228600" y="1200150"/>
-            <a:ext cx="4419600" cy="3343276"/>
-          </a:xfrm>
-        </p:spPr>
+              <a:t>Some content on the left.</a:t>
+            </a:r>
+          </a:p>
+          <a:p>
+            <a:pPr marL="0" indent="0">
+              <a:buNone/>
+            </a:pPr>
+            <a:endParaRPr lang="en-US" dirty="0"/>
+          </a:p>
+        </p:txBody>
+      </p:sp>
+      <p:sp>
+        <p:nvSpPr>
+          <p:cNvPr id="6" name="Content Placeholder 5"/>
+          <p:cNvSpPr>
+            <a:spLocks noGrp="1"/>
+          </p:cNvSpPr>
+          <p:nvPr>
+            <p:ph sz="quarter" idx="12"/>
+          </p:nvPr>
+        </p:nvSpPr>
+        <p:spPr/>
         <p:txBody>
           <a:bodyPr/>
           <a:lstStyle/>
           <a:p>
             <a:r>
               <a:rPr lang="en-US" dirty="0"/>
-              <a:t>Some content on the left.</a:t>
-            </a:r>
-          </a:p>
-          <a:p>
-            <a:pPr marL="0" indent="0">
-              <a:buNone/>
-            </a:pPr>
-            <a:endParaRPr lang="en-US" dirty="0"/>
-          </a:p>
-        </p:txBody>
-      </p:sp>
-      <p:sp>
-        <p:nvSpPr>
-          <p:cNvPr id="6" name="Content Placeholder 5"/>
-          <p:cNvSpPr>
-            <a:spLocks noGrp="1"/>
-          </p:cNvSpPr>
-          <p:nvPr>
-            <p:ph type="body" sz="quarter" idx="4294967295"/>
-          </p:nvPr>
-        </p:nvSpPr>
-        <p:spPr>
-          <a:xfrm>
-            <a:off x="4648200" y="1200150"/>
-            <a:ext cx="4419600" cy="3343275"/>
-          </a:xfrm>
-        </p:spPr>
+              <a:t>Some content on the right.</a:t>
+            </a:r>
+          </a:p>
+        </p:txBody>
+      </p:sp>
+      <p:sp>
+        <p:nvSpPr>
+          <p:cNvPr id="4" name="Title 3"/>
+          <p:cNvSpPr>
+            <a:spLocks noGrp="1"/>
+          </p:cNvSpPr>
+          <p:nvPr>
+            <p:ph type="title"/>
+          </p:nvPr>
+        </p:nvSpPr>
+        <p:spPr/>
         <p:txBody>
           <a:bodyPr/>
           <a:lstStyle/>
           <a:p>
             <a:r>
               <a:rPr lang="en-US" dirty="0"/>
-              <a:t>Some content on the right.</a:t>
+              <a:t>Slide Title for Two-Content</a:t>
             </a:r>
           </a:p>
         </p:txBody>

--- a/ivey-powerpoint-template.pptx
+++ b/ivey-powerpoint-template.pptx
@@ -214,7 +214,7 @@
           <a:p>
             <a:fld id="{0F9C1CCF-B725-44A7-AA57-5E433BD85C9F}" type="datetimeFigureOut">
               <a:rPr lang="en-US" smtClean="0"/>
-              <a:t>11/28/2022</a:t>
+              <a:t>12/12/2022</a:t>
             </a:fld>
             <a:endParaRPr lang="en-US"/>
           </a:p>
@@ -276,37 +276,182 @@
           <a:bodyPr vert="horz" lIns="91440" tIns="45720" rIns="91440" bIns="45720" rtlCol="0"/>
           <a:lstStyle/>
           <a:p>
-            <a:pPr lvl="0"/>
-            <a:r>
-              <a:rPr lang="en-US"/>
+            <a:pPr marL="171416" marR="0" lvl="0" indent="-171416" algn="l" defTabSz="685663" rtl="0" eaLnBrk="1" fontAlgn="auto" latinLnBrk="0" hangingPunct="1">
+              <a:lnSpc>
+                <a:spcPct val="90000"/>
+              </a:lnSpc>
+              <a:spcBef>
+                <a:spcPts val="750"/>
+              </a:spcBef>
+              <a:spcAft>
+                <a:spcPts val="0"/>
+              </a:spcAft>
+              <a:buClrTx/>
+              <a:buSzTx/>
+              <a:buFont typeface="Arial" panose="020B0604020202020204" pitchFamily="34" charset="0"/>
+              <a:buChar char="•"/>
+              <a:tabLst/>
+              <a:defRPr/>
+            </a:pPr>
+            <a:r>
+              <a:rPr kumimoji="0" lang="en-US" sz="1100" b="0" i="0" u="none" strike="noStrike" kern="1200" cap="none" spc="0" normalizeH="0" baseline="0" noProof="0" dirty="0">
+                <a:ln>
+                  <a:noFill/>
+                </a:ln>
+                <a:solidFill>
+                  <a:srgbClr val="63666A"/>
+                </a:solidFill>
+                <a:effectLst/>
+                <a:uLnTx/>
+                <a:uFillTx/>
+                <a:latin typeface="Arial" charset="0"/>
+                <a:ea typeface="+mn-ea"/>
+                <a:cs typeface="Arial" charset="0"/>
+              </a:rPr>
               <a:t>Click to edit Master text styles</a:t>
             </a:r>
           </a:p>
           <a:p>
-            <a:pPr lvl="1"/>
-            <a:r>
-              <a:rPr lang="en-US"/>
+            <a:pPr marL="228600" marR="0" lvl="1" indent="-228600" algn="l" defTabSz="685663" rtl="0" eaLnBrk="1" fontAlgn="auto" latinLnBrk="0" hangingPunct="1">
+              <a:lnSpc>
+                <a:spcPct val="90000"/>
+              </a:lnSpc>
+              <a:spcBef>
+                <a:spcPts val="375"/>
+              </a:spcBef>
+              <a:spcAft>
+                <a:spcPts val="0"/>
+              </a:spcAft>
+              <a:buClrTx/>
+              <a:buSzTx/>
+              <a:buFont typeface="Arial" panose="020B0604020202020204" pitchFamily="34" charset="0"/>
+              <a:buChar char="•"/>
+              <a:tabLst/>
+              <a:defRPr/>
+            </a:pPr>
+            <a:r>
+              <a:rPr kumimoji="0" lang="en-US" sz="1100" b="0" i="0" u="none" strike="noStrike" kern="1200" cap="none" spc="0" normalizeH="0" baseline="0" noProof="0" dirty="0">
+                <a:ln>
+                  <a:noFill/>
+                </a:ln>
+                <a:solidFill>
+                  <a:srgbClr val="63666A"/>
+                </a:solidFill>
+                <a:effectLst/>
+                <a:uLnTx/>
+                <a:uFillTx/>
+                <a:latin typeface="Arial" charset="0"/>
+                <a:ea typeface="+mn-ea"/>
+                <a:cs typeface="Arial" charset="0"/>
+              </a:rPr>
               <a:t>Second level</a:t>
             </a:r>
           </a:p>
           <a:p>
-            <a:pPr lvl="2"/>
-            <a:r>
-              <a:rPr lang="en-US"/>
+            <a:pPr marL="457200" marR="0" lvl="2" indent="-227013" algn="l" defTabSz="685663" rtl="0" eaLnBrk="1" fontAlgn="auto" latinLnBrk="0" hangingPunct="1">
+              <a:lnSpc>
+                <a:spcPct val="90000"/>
+              </a:lnSpc>
+              <a:spcBef>
+                <a:spcPts val="375"/>
+              </a:spcBef>
+              <a:spcAft>
+                <a:spcPts val="0"/>
+              </a:spcAft>
+              <a:buClrTx/>
+              <a:buSzTx/>
+              <a:buFont typeface="Arial" panose="020B0604020202020204" pitchFamily="34" charset="0"/>
+              <a:buChar char="-"/>
+              <a:tabLst/>
+              <a:defRPr/>
+            </a:pPr>
+            <a:r>
+              <a:rPr kumimoji="0" lang="en-US" sz="1100" b="0" i="0" u="none" strike="noStrike" kern="1200" cap="none" spc="0" normalizeH="0" baseline="0" noProof="0" dirty="0">
+                <a:ln>
+                  <a:noFill/>
+                </a:ln>
+                <a:solidFill>
+                  <a:srgbClr val="63666A"/>
+                </a:solidFill>
+                <a:effectLst/>
+                <a:uLnTx/>
+                <a:uFillTx/>
+                <a:latin typeface="Arial" charset="0"/>
+                <a:ea typeface="+mn-ea"/>
+                <a:cs typeface="Arial" charset="0"/>
+              </a:rPr>
               <a:t>Third level</a:t>
             </a:r>
           </a:p>
           <a:p>
-            <a:pPr lvl="3"/>
-            <a:r>
-              <a:rPr lang="en-US"/>
+            <a:pPr marL="685800" marR="0" lvl="3" indent="-227013" algn="l" defTabSz="685663" rtl="0" eaLnBrk="1" fontAlgn="auto" latinLnBrk="0" hangingPunct="1">
+              <a:lnSpc>
+                <a:spcPct val="90000"/>
+              </a:lnSpc>
+              <a:spcBef>
+                <a:spcPts val="375"/>
+              </a:spcBef>
+              <a:spcAft>
+                <a:spcPts val="0"/>
+              </a:spcAft>
+              <a:buClrTx/>
+              <a:buSzTx/>
+              <a:buFont typeface="Arial" panose="020B0604020202020204" pitchFamily="34" charset="0"/>
+              <a:buChar char="•"/>
+              <a:tabLst/>
+              <a:defRPr/>
+            </a:pPr>
+            <a:r>
+              <a:rPr kumimoji="0" lang="en-US" sz="1100" b="0" i="0" u="none" strike="noStrike" kern="1200" cap="none" spc="0" normalizeH="0" baseline="0" noProof="0" dirty="0">
+                <a:ln>
+                  <a:noFill/>
+                </a:ln>
+                <a:solidFill>
+                  <a:srgbClr val="63666A"/>
+                </a:solidFill>
+                <a:effectLst/>
+                <a:uLnTx/>
+                <a:uFillTx/>
+                <a:latin typeface="Arial" charset="0"/>
+                <a:ea typeface="+mn-ea"/>
+                <a:cs typeface="Arial" charset="0"/>
+              </a:rPr>
               <a:t>Fourth level</a:t>
             </a:r>
           </a:p>
           <a:p>
-            <a:pPr lvl="4"/>
-            <a:r>
-              <a:rPr lang="en-US"/>
+            <a:pPr marL="914400" marR="0" lvl="4" indent="-227013" algn="l" defTabSz="685663" rtl="0" eaLnBrk="1" fontAlgn="auto" latinLnBrk="0" hangingPunct="1">
+              <a:lnSpc>
+                <a:spcPct val="90000"/>
+              </a:lnSpc>
+              <a:spcBef>
+                <a:spcPts val="375"/>
+              </a:spcBef>
+              <a:spcAft>
+                <a:spcPts val="0"/>
+              </a:spcAft>
+              <a:buClrTx/>
+              <a:buSzTx/>
+              <a:buFont typeface="Arial" panose="020B0604020202020204" pitchFamily="34" charset="0"/>
+              <a:buChar char="-"/>
+              <a:tabLst/>
+              <a:defRPr/>
+            </a:pPr>
+            <a:r>
+              <a:rPr kumimoji="0" lang="en-US" sz="1100" b="0" i="0" u="none" strike="noStrike" kern="1200" cap="none" spc="0" normalizeH="0" baseline="0" noProof="0" dirty="0">
+                <a:ln>
+                  <a:noFill/>
+                </a:ln>
+                <a:solidFill>
+                  <a:srgbClr val="63666A"/>
+                </a:solidFill>
+                <a:effectLst/>
+                <a:uLnTx/>
+                <a:uFillTx/>
+                <a:latin typeface="Arial" charset="0"/>
+                <a:ea typeface="+mn-ea"/>
+                <a:cs typeface="Arial" charset="0"/>
+              </a:rPr>
               <a:t>Fifth level</a:t>
             </a:r>
           </a:p>
@@ -388,7 +533,7 @@
   <p:clrMap bg1="lt1" tx1="dk1" bg2="lt2" tx2="dk2" accent1="accent1" accent2="accent2" accent3="accent3" accent4="accent4" accent5="accent5" accent6="accent6" hlink="hlink" folHlink="folHlink"/>
   <p:notesStyle>
     <a:lvl1pPr marL="0" algn="l" defTabSz="914400" rtl="0" eaLnBrk="1" latinLnBrk="0" hangingPunct="1">
-      <a:defRPr sz="1200" kern="1200">
+      <a:defRPr lang="en-US" sz="1200" kern="1200" dirty="0" smtClean="0">
         <a:solidFill>
           <a:schemeClr val="tx1"/>
         </a:solidFill>
@@ -398,7 +543,7 @@
       </a:defRPr>
     </a:lvl1pPr>
     <a:lvl2pPr marL="457200" algn="l" defTabSz="914400" rtl="0" eaLnBrk="1" latinLnBrk="0" hangingPunct="1">
-      <a:defRPr sz="1200" kern="1200">
+      <a:defRPr lang="en-US" sz="1200" kern="1200" dirty="0" smtClean="0">
         <a:solidFill>
           <a:schemeClr val="tx1"/>
         </a:solidFill>
@@ -408,7 +553,7 @@
       </a:defRPr>
     </a:lvl2pPr>
     <a:lvl3pPr marL="914400" algn="l" defTabSz="914400" rtl="0" eaLnBrk="1" latinLnBrk="0" hangingPunct="1">
-      <a:defRPr sz="1200" kern="1200">
+      <a:defRPr lang="en-US" sz="1200" kern="1200" dirty="0" smtClean="0">
         <a:solidFill>
           <a:schemeClr val="tx1"/>
         </a:solidFill>
@@ -418,7 +563,7 @@
       </a:defRPr>
     </a:lvl3pPr>
     <a:lvl4pPr marL="1371600" algn="l" defTabSz="914400" rtl="0" eaLnBrk="1" latinLnBrk="0" hangingPunct="1">
-      <a:defRPr sz="1200" kern="1200">
+      <a:defRPr lang="en-US" sz="1200" kern="1200" dirty="0" smtClean="0">
         <a:solidFill>
           <a:schemeClr val="tx1"/>
         </a:solidFill>
@@ -428,7 +573,7 @@
       </a:defRPr>
     </a:lvl4pPr>
     <a:lvl5pPr marL="1828800" algn="l" defTabSz="914400" rtl="0" eaLnBrk="1" latinLnBrk="0" hangingPunct="1">
-      <a:defRPr sz="1200" kern="1200">
+      <a:defRPr lang="en-US" sz="1200" kern="1200" dirty="0">
         <a:solidFill>
           <a:schemeClr val="tx1"/>
         </a:solidFill>
@@ -587,6 +732,258 @@
 </p:notes>
 </file>
 
+<file path=ppt/notesSlides/notesSlide2.xml><?xml version="1.0" encoding="utf-8"?>
+<p:notes xmlns:a="http://schemas.openxmlformats.org/drawingml/2006/main" xmlns:r="http://schemas.openxmlformats.org/officeDocument/2006/relationships" xmlns:p="http://schemas.openxmlformats.org/presentationml/2006/main">
+  <p:cSld>
+    <p:spTree>
+      <p:nvGrpSpPr>
+        <p:cNvPr id="1" name=""/>
+        <p:cNvGrpSpPr/>
+        <p:nvPr/>
+      </p:nvGrpSpPr>
+      <p:grpSpPr>
+        <a:xfrm>
+          <a:off x="0" y="0"/>
+          <a:ext cx="0" cy="0"/>
+          <a:chOff x="0" y="0"/>
+          <a:chExt cx="0" cy="0"/>
+        </a:xfrm>
+      </p:grpSpPr>
+      <p:sp>
+        <p:nvSpPr>
+          <p:cNvPr id="2" name="Slide Image Placeholder 1"/>
+          <p:cNvSpPr>
+            <a:spLocks noGrp="1" noRot="1" noChangeAspect="1"/>
+          </p:cNvSpPr>
+          <p:nvPr>
+            <p:ph type="sldImg"/>
+          </p:nvPr>
+        </p:nvSpPr>
+        <p:spPr/>
+      </p:sp>
+      <p:sp>
+        <p:nvSpPr>
+          <p:cNvPr id="3" name="Notes Placeholder 2"/>
+          <p:cNvSpPr>
+            <a:spLocks noGrp="1"/>
+          </p:cNvSpPr>
+          <p:nvPr>
+            <p:ph type="body" idx="1"/>
+          </p:nvPr>
+        </p:nvSpPr>
+        <p:spPr/>
+        <p:txBody>
+          <a:bodyPr/>
+          <a:lstStyle/>
+          <a:p>
+            <a:endParaRPr lang="en-CA"/>
+          </a:p>
+        </p:txBody>
+      </p:sp>
+      <p:sp>
+        <p:nvSpPr>
+          <p:cNvPr id="4" name="Slide Number Placeholder 3"/>
+          <p:cNvSpPr>
+            <a:spLocks noGrp="1"/>
+          </p:cNvSpPr>
+          <p:nvPr>
+            <p:ph type="sldNum" sz="quarter" idx="5"/>
+          </p:nvPr>
+        </p:nvSpPr>
+        <p:spPr/>
+        <p:txBody>
+          <a:bodyPr/>
+          <a:lstStyle/>
+          <a:p>
+            <a:fld id="{18BDFEC3-8487-43E8-A154-7C12CBC1FFF2}" type="slidenum">
+              <a:rPr lang="en-US" smtClean="0"/>
+              <a:t>2</a:t>
+            </a:fld>
+            <a:endParaRPr lang="en-US"/>
+          </a:p>
+        </p:txBody>
+      </p:sp>
+    </p:spTree>
+    <p:extLst>
+      <p:ext uri="{BB962C8B-B14F-4D97-AF65-F5344CB8AC3E}">
+        <p14:creationId xmlns:p14="http://schemas.microsoft.com/office/powerpoint/2010/main" val="1962583705"/>
+      </p:ext>
+    </p:extLst>
+  </p:cSld>
+  <p:clrMapOvr>
+    <a:masterClrMapping/>
+  </p:clrMapOvr>
+</p:notes>
+</file>
+
+<file path=ppt/notesSlides/notesSlide3.xml><?xml version="1.0" encoding="utf-8"?>
+<p:notes xmlns:a="http://schemas.openxmlformats.org/drawingml/2006/main" xmlns:r="http://schemas.openxmlformats.org/officeDocument/2006/relationships" xmlns:p="http://schemas.openxmlformats.org/presentationml/2006/main">
+  <p:cSld>
+    <p:spTree>
+      <p:nvGrpSpPr>
+        <p:cNvPr id="1" name=""/>
+        <p:cNvGrpSpPr/>
+        <p:nvPr/>
+      </p:nvGrpSpPr>
+      <p:grpSpPr>
+        <a:xfrm>
+          <a:off x="0" y="0"/>
+          <a:ext cx="0" cy="0"/>
+          <a:chOff x="0" y="0"/>
+          <a:chExt cx="0" cy="0"/>
+        </a:xfrm>
+      </p:grpSpPr>
+      <p:sp>
+        <p:nvSpPr>
+          <p:cNvPr id="2" name="Slide Image Placeholder 1"/>
+          <p:cNvSpPr>
+            <a:spLocks noGrp="1" noRot="1" noChangeAspect="1"/>
+          </p:cNvSpPr>
+          <p:nvPr>
+            <p:ph type="sldImg"/>
+          </p:nvPr>
+        </p:nvSpPr>
+        <p:spPr/>
+      </p:sp>
+      <p:sp>
+        <p:nvSpPr>
+          <p:cNvPr id="3" name="Notes Placeholder 2"/>
+          <p:cNvSpPr>
+            <a:spLocks noGrp="1"/>
+          </p:cNvSpPr>
+          <p:nvPr>
+            <p:ph type="body" idx="1"/>
+          </p:nvPr>
+        </p:nvSpPr>
+        <p:spPr/>
+        <p:txBody>
+          <a:bodyPr/>
+          <a:lstStyle/>
+          <a:p>
+            <a:endParaRPr lang="en-CA"/>
+          </a:p>
+        </p:txBody>
+      </p:sp>
+      <p:sp>
+        <p:nvSpPr>
+          <p:cNvPr id="4" name="Slide Number Placeholder 3"/>
+          <p:cNvSpPr>
+            <a:spLocks noGrp="1"/>
+          </p:cNvSpPr>
+          <p:nvPr>
+            <p:ph type="sldNum" sz="quarter" idx="5"/>
+          </p:nvPr>
+        </p:nvSpPr>
+        <p:spPr/>
+        <p:txBody>
+          <a:bodyPr/>
+          <a:lstStyle/>
+          <a:p>
+            <a:fld id="{18BDFEC3-8487-43E8-A154-7C12CBC1FFF2}" type="slidenum">
+              <a:rPr lang="en-US" smtClean="0"/>
+              <a:t>3</a:t>
+            </a:fld>
+            <a:endParaRPr lang="en-US"/>
+          </a:p>
+        </p:txBody>
+      </p:sp>
+    </p:spTree>
+    <p:extLst>
+      <p:ext uri="{BB962C8B-B14F-4D97-AF65-F5344CB8AC3E}">
+        <p14:creationId xmlns:p14="http://schemas.microsoft.com/office/powerpoint/2010/main" val="3638171655"/>
+      </p:ext>
+    </p:extLst>
+  </p:cSld>
+  <p:clrMapOvr>
+    <a:masterClrMapping/>
+  </p:clrMapOvr>
+</p:notes>
+</file>
+
+<file path=ppt/notesSlides/notesSlide4.xml><?xml version="1.0" encoding="utf-8"?>
+<p:notes xmlns:a="http://schemas.openxmlformats.org/drawingml/2006/main" xmlns:r="http://schemas.openxmlformats.org/officeDocument/2006/relationships" xmlns:p="http://schemas.openxmlformats.org/presentationml/2006/main">
+  <p:cSld>
+    <p:spTree>
+      <p:nvGrpSpPr>
+        <p:cNvPr id="1" name=""/>
+        <p:cNvGrpSpPr/>
+        <p:nvPr/>
+      </p:nvGrpSpPr>
+      <p:grpSpPr>
+        <a:xfrm>
+          <a:off x="0" y="0"/>
+          <a:ext cx="0" cy="0"/>
+          <a:chOff x="0" y="0"/>
+          <a:chExt cx="0" cy="0"/>
+        </a:xfrm>
+      </p:grpSpPr>
+      <p:sp>
+        <p:nvSpPr>
+          <p:cNvPr id="2" name="Slide Image Placeholder 1"/>
+          <p:cNvSpPr>
+            <a:spLocks noGrp="1" noRot="1" noChangeAspect="1"/>
+          </p:cNvSpPr>
+          <p:nvPr>
+            <p:ph type="sldImg"/>
+          </p:nvPr>
+        </p:nvSpPr>
+        <p:spPr/>
+      </p:sp>
+      <p:sp>
+        <p:nvSpPr>
+          <p:cNvPr id="3" name="Notes Placeholder 2"/>
+          <p:cNvSpPr>
+            <a:spLocks noGrp="1"/>
+          </p:cNvSpPr>
+          <p:nvPr>
+            <p:ph type="body" idx="1"/>
+          </p:nvPr>
+        </p:nvSpPr>
+        <p:spPr/>
+        <p:txBody>
+          <a:bodyPr/>
+          <a:lstStyle/>
+          <a:p>
+            <a:endParaRPr lang="en-CA" dirty="0"/>
+          </a:p>
+        </p:txBody>
+      </p:sp>
+      <p:sp>
+        <p:nvSpPr>
+          <p:cNvPr id="4" name="Slide Number Placeholder 3"/>
+          <p:cNvSpPr>
+            <a:spLocks noGrp="1"/>
+          </p:cNvSpPr>
+          <p:nvPr>
+            <p:ph type="sldNum" sz="quarter" idx="5"/>
+          </p:nvPr>
+        </p:nvSpPr>
+        <p:spPr/>
+        <p:txBody>
+          <a:bodyPr/>
+          <a:lstStyle/>
+          <a:p>
+            <a:fld id="{18BDFEC3-8487-43E8-A154-7C12CBC1FFF2}" type="slidenum">
+              <a:rPr lang="en-US" smtClean="0"/>
+              <a:t>4</a:t>
+            </a:fld>
+            <a:endParaRPr lang="en-US"/>
+          </a:p>
+        </p:txBody>
+      </p:sp>
+    </p:spTree>
+    <p:extLst>
+      <p:ext uri="{BB962C8B-B14F-4D97-AF65-F5344CB8AC3E}">
+        <p14:creationId xmlns:p14="http://schemas.microsoft.com/office/powerpoint/2010/main" val="2887189802"/>
+      </p:ext>
+    </p:extLst>
+  </p:cSld>
+  <p:clrMapOvr>
+    <a:masterClrMapping/>
+  </p:clrMapOvr>
+</p:notes>
+</file>
+
 <file path=ppt/slideLayouts/slideLayout1.xml><?xml version="1.0" encoding="utf-8"?>
 <p:sldLayout xmlns:a="http://schemas.openxmlformats.org/drawingml/2006/main" xmlns:r="http://schemas.openxmlformats.org/officeDocument/2006/relationships" xmlns:p="http://schemas.openxmlformats.org/presentationml/2006/main" preserve="1" userDrawn="1">
   <p:cSld name="Title Slide">
@@ -616,7 +1013,7 @@
         </p:nvSpPr>
         <p:spPr>
           <a:xfrm>
-            <a:off x="581858" y="2914650"/>
+            <a:off x="581857" y="2984157"/>
             <a:ext cx="5533000" cy="1629641"/>
           </a:xfrm>
         </p:spPr>
@@ -747,8 +1144,8 @@
         </p:nvSpPr>
         <p:spPr>
           <a:xfrm>
-            <a:off x="581858" y="1683883"/>
-            <a:ext cx="5533000" cy="2116591"/>
+            <a:off x="394976" y="1317986"/>
+            <a:ext cx="5906764" cy="1512707"/>
           </a:xfrm>
         </p:spPr>
         <p:txBody>
@@ -1587,8 +1984,26 @@
         </p:nvSpPr>
         <p:spPr/>
         <p:txBody>
-          <a:bodyPr/>
-          <a:lstStyle/>
+          <a:bodyPr>
+            <a:normAutofit/>
+          </a:bodyPr>
+          <a:lstStyle>
+            <a:lvl1pPr>
+              <a:defRPr sz="1400"/>
+            </a:lvl1pPr>
+            <a:lvl2pPr>
+              <a:defRPr sz="1400"/>
+            </a:lvl2pPr>
+            <a:lvl3pPr>
+              <a:defRPr sz="1400"/>
+            </a:lvl3pPr>
+            <a:lvl4pPr>
+              <a:defRPr sz="1400"/>
+            </a:lvl4pPr>
+            <a:lvl5pPr>
+              <a:defRPr sz="1400"/>
+            </a:lvl5pPr>
+          </a:lstStyle>
           <a:p>
             <a:pPr lvl="0"/>
             <a:r>
@@ -3486,7 +3901,7 @@
         </a:spcBef>
         <a:buFont typeface="Arial" panose="020B0604020202020204" pitchFamily="34" charset="0"/>
         <a:buChar char="•"/>
-        <a:defRPr lang="en-US" sz="1600" kern="1200" dirty="0" smtClean="0">
+        <a:defRPr lang="en-US" sz="1400" kern="1200" dirty="0" smtClean="0">
           <a:solidFill>
             <a:schemeClr val="tx1"/>
           </a:solidFill>
@@ -3496,7 +3911,7 @@
           <a:cs typeface="Arial" charset="0"/>
         </a:defRPr>
       </a:lvl1pPr>
-      <a:lvl2pPr marL="169863" indent="-169863" algn="l" defTabSz="685663" rtl="0" eaLnBrk="1" latinLnBrk="0" hangingPunct="1">
+      <a:lvl2pPr marL="228600" indent="-228600" algn="l" defTabSz="685663" rtl="0" eaLnBrk="1" latinLnBrk="0" hangingPunct="1">
         <a:lnSpc>
           <a:spcPct val="90000"/>
         </a:lnSpc>
@@ -3505,7 +3920,7 @@
         </a:spcBef>
         <a:buFont typeface="Arial" panose="020B0604020202020204" pitchFamily="34" charset="0"/>
         <a:buChar char="•"/>
-        <a:defRPr lang="en-US" sz="1600" kern="1200" dirty="0" smtClean="0">
+        <a:defRPr lang="en-US" sz="1400" kern="1200" dirty="0" smtClean="0">
           <a:solidFill>
             <a:schemeClr val="tx1"/>
           </a:solidFill>
@@ -3515,7 +3930,7 @@
           <a:cs typeface="Arial" charset="0"/>
         </a:defRPr>
       </a:lvl2pPr>
-      <a:lvl3pPr marL="400050" indent="-169863" algn="l" defTabSz="685663" rtl="0" eaLnBrk="1" latinLnBrk="0" hangingPunct="1">
+      <a:lvl3pPr marL="457200" indent="-227013" algn="l" defTabSz="685663" rtl="0" eaLnBrk="1" latinLnBrk="0" hangingPunct="1">
         <a:lnSpc>
           <a:spcPct val="90000"/>
         </a:lnSpc>
@@ -3524,7 +3939,7 @@
         </a:spcBef>
         <a:buFont typeface="Arial" panose="020B0604020202020204" pitchFamily="34" charset="0"/>
         <a:buChar char="-"/>
-        <a:defRPr lang="en-US" sz="1600" kern="1200" dirty="0" smtClean="0">
+        <a:defRPr lang="en-US" sz="1400" kern="1200" dirty="0" smtClean="0">
           <a:solidFill>
             <a:schemeClr val="tx1"/>
           </a:solidFill>
@@ -3534,7 +3949,7 @@
           <a:cs typeface="Arial" charset="0"/>
         </a:defRPr>
       </a:lvl3pPr>
-      <a:lvl4pPr marL="628650" indent="-169863" algn="l" defTabSz="685663" rtl="0" eaLnBrk="1" latinLnBrk="0" hangingPunct="1">
+      <a:lvl4pPr marL="685800" indent="-227013" algn="l" defTabSz="685663" rtl="0" eaLnBrk="1" latinLnBrk="0" hangingPunct="1">
         <a:lnSpc>
           <a:spcPct val="90000"/>
         </a:lnSpc>
@@ -3543,7 +3958,7 @@
         </a:spcBef>
         <a:buFont typeface="Arial" panose="020B0604020202020204" pitchFamily="34" charset="0"/>
         <a:buChar char="•"/>
-        <a:defRPr lang="en-US" sz="1600" kern="1200" dirty="0" smtClean="0">
+        <a:defRPr lang="en-US" sz="1400" kern="1200" dirty="0" smtClean="0">
           <a:solidFill>
             <a:schemeClr val="tx1"/>
           </a:solidFill>
@@ -3553,7 +3968,7 @@
           <a:cs typeface="Arial" charset="0"/>
         </a:defRPr>
       </a:lvl4pPr>
-      <a:lvl5pPr marL="857250" indent="-169863" algn="l" defTabSz="685663" rtl="0" eaLnBrk="1" latinLnBrk="0" hangingPunct="1">
+      <a:lvl5pPr marL="914400" indent="-227013" algn="l" defTabSz="685663" rtl="0" eaLnBrk="1" latinLnBrk="0" hangingPunct="1">
         <a:lnSpc>
           <a:spcPct val="90000"/>
         </a:lnSpc>
@@ -3562,7 +3977,7 @@
         </a:spcBef>
         <a:buFont typeface="Arial" panose="020B0604020202020204" pitchFamily="34" charset="0"/>
         <a:buChar char="-"/>
-        <a:defRPr lang="en-US" sz="1600" kern="1200" dirty="0">
+        <a:defRPr lang="en-US" sz="1400" kern="1200" dirty="0">
           <a:solidFill>
             <a:schemeClr val="tx1"/>
           </a:solidFill>
@@ -3763,6 +4178,28 @@
       </p:grpSpPr>
       <p:sp>
         <p:nvSpPr>
+          <p:cNvPr id="3" name="Subtitle 2"/>
+          <p:cNvSpPr>
+            <a:spLocks noGrp="1"/>
+          </p:cNvSpPr>
+          <p:nvPr>
+            <p:ph type="subTitle" idx="1"/>
+          </p:nvPr>
+        </p:nvSpPr>
+        <p:spPr/>
+        <p:txBody>
+          <a:bodyPr/>
+          <a:lstStyle/>
+          <a:p>
+            <a:r>
+              <a:rPr lang="en-US" dirty="0"/>
+              <a:t>Presentation Subtitle</a:t>
+            </a:r>
+          </a:p>
+        </p:txBody>
+      </p:sp>
+      <p:sp>
+        <p:nvSpPr>
           <p:cNvPr id="2" name="Title 1"/>
           <p:cNvSpPr>
             <a:spLocks noGrp="1"/>
@@ -3771,12 +4208,7 @@
             <p:ph type="ctrTitle"/>
           </p:nvPr>
         </p:nvSpPr>
-        <p:spPr>
-          <a:xfrm>
-            <a:off x="581858" y="1683883"/>
-            <a:ext cx="6107330" cy="2116591"/>
-          </a:xfrm>
-        </p:spPr>
+        <p:spPr/>
         <p:txBody>
           <a:bodyPr>
             <a:normAutofit/>
@@ -3786,28 +4218,6 @@
             <a:r>
               <a:rPr lang="en-US" dirty="0"/>
               <a:t>Presentation Title</a:t>
-            </a:r>
-          </a:p>
-        </p:txBody>
-      </p:sp>
-      <p:sp>
-        <p:nvSpPr>
-          <p:cNvPr id="3" name="Subtitle 2"/>
-          <p:cNvSpPr>
-            <a:spLocks noGrp="1"/>
-          </p:cNvSpPr>
-          <p:nvPr>
-            <p:ph type="subTitle" idx="1"/>
-          </p:nvPr>
-        </p:nvSpPr>
-        <p:spPr/>
-        <p:txBody>
-          <a:bodyPr/>
-          <a:lstStyle/>
-          <a:p>
-            <a:r>
-              <a:rPr lang="en-US" dirty="0"/>
-              <a:t>Presentation Subtitle</a:t>
             </a:r>
           </a:p>
         </p:txBody>
@@ -3889,16 +4299,44 @@
         </p:nvSpPr>
         <p:spPr/>
         <p:txBody>
-          <a:bodyPr/>
+          <a:bodyPr>
+            <a:normAutofit/>
+          </a:bodyPr>
           <a:lstStyle/>
           <a:p>
-            <a:r>
-              <a:rPr lang="en-US" dirty="0"/>
-              <a:t>Hello, world.</a:t>
-            </a:r>
-          </a:p>
-          <a:p>
-            <a:endParaRPr lang="en-CA" dirty="0"/>
+            <a:pPr lvl="0"/>
+            <a:r>
+              <a:rPr lang="en-US" sz="1200" dirty="0"/>
+              <a:t>Click to edit Master text styles</a:t>
+            </a:r>
+          </a:p>
+          <a:p>
+            <a:pPr lvl="1"/>
+            <a:r>
+              <a:rPr lang="en-US" sz="1200" dirty="0"/>
+              <a:t>Second level</a:t>
+            </a:r>
+          </a:p>
+          <a:p>
+            <a:pPr lvl="2"/>
+            <a:r>
+              <a:rPr lang="en-US" sz="1200" dirty="0"/>
+              <a:t>Third level</a:t>
+            </a:r>
+          </a:p>
+          <a:p>
+            <a:pPr lvl="3"/>
+            <a:r>
+              <a:rPr lang="en-US" sz="1200" dirty="0"/>
+              <a:t>Fourth level</a:t>
+            </a:r>
+          </a:p>
+          <a:p>
+            <a:pPr lvl="4"/>
+            <a:r>
+              <a:rPr lang="en-US" sz="1200" dirty="0"/>
+              <a:t>Fifth level</a:t>
+            </a:r>
           </a:p>
         </p:txBody>
       </p:sp>

--- a/ivey-powerpoint-template.pptx
+++ b/ivey-powerpoint-template.pptx
@@ -214,7 +214,7 @@
           <a:p>
             <a:fld id="{0F9C1CCF-B725-44A7-AA57-5E433BD85C9F}" type="datetimeFigureOut">
               <a:rPr lang="en-US" smtClean="0"/>
-              <a:t>12/12/2022</a:t>
+              <a:t>12/16/2022</a:t>
             </a:fld>
             <a:endParaRPr lang="en-US"/>
           </a:p>
@@ -3772,8 +3772,8 @@
         </p:nvSpPr>
         <p:spPr>
           <a:xfrm>
-            <a:off x="8668183" y="227651"/>
-            <a:ext cx="303555" cy="230806"/>
+            <a:off x="8637700" y="227651"/>
+            <a:ext cx="353640" cy="230806"/>
           </a:xfrm>
           <a:prstGeom prst="rect">
             <a:avLst/>
@@ -3781,7 +3781,7 @@
           <a:noFill/>
         </p:spPr>
         <p:txBody>
-          <a:bodyPr wrap="none" lIns="68553" tIns="34277" rIns="68553" bIns="34277" rtlCol="0">
+          <a:bodyPr wrap="square" lIns="68553" tIns="34277" rIns="68553" bIns="34277" rtlCol="0">
             <a:spAutoFit/>
           </a:bodyPr>
           <a:lstStyle/>
